--- a/lectures/p-02-partitioning-variance.pptx
+++ b/lectures/p-02-partitioning-variance.pptx
@@ -233,7 +233,7 @@
           <a:p>
             <a:fld id="{A33972A0-D2DC-4C5E-947C-999AC4BCA557}" type="datetimeFigureOut">
               <a:rPr lang="en-US" smtClean="0"/>
-              <a:t>8/25/2019</a:t>
+              <a:t>10/6/2024</a:t>
             </a:fld>
             <a:endParaRPr lang="en-US"/>
           </a:p>
@@ -398,7 +398,7 @@
           <a:p>
             <a:fld id="{FF03C39A-337C-43B7-983D-83172343289F}" type="datetimeFigureOut">
               <a:rPr lang="en-US" smtClean="0"/>
-              <a:t>8/25/2019</a:t>
+              <a:t>10/6/2024</a:t>
             </a:fld>
             <a:endParaRPr lang="en-US"/>
           </a:p>
@@ -1012,7 +1012,7 @@
           <a:p>
             <a:fld id="{641DC7AA-93CC-484C-B4FB-06BD0EFA9B2A}" type="datetime1">
               <a:rPr lang="en-US" smtClean="0"/>
-              <a:t>8/25/2019</a:t>
+              <a:t>10/6/2024</a:t>
             </a:fld>
             <a:endParaRPr lang="en-US"/>
           </a:p>
@@ -1180,7 +1180,7 @@
           <a:p>
             <a:fld id="{2B859FDE-7E15-46A1-8BCB-E0EC6B74DC2C}" type="datetime1">
               <a:rPr lang="en-US" smtClean="0"/>
-              <a:t>8/25/2019</a:t>
+              <a:t>10/6/2024</a:t>
             </a:fld>
             <a:endParaRPr lang="en-US"/>
           </a:p>
@@ -1401,7 +1401,7 @@
           <a:p>
             <a:fld id="{C6EC59B9-80F8-45E9-9506-5E6730BF1652}" type="datetime1">
               <a:rPr lang="en-US" smtClean="0"/>
-              <a:t>8/25/2019</a:t>
+              <a:t>10/6/2024</a:t>
             </a:fld>
             <a:endParaRPr lang="en-US"/>
           </a:p>
@@ -1569,7 +1569,7 @@
           <a:p>
             <a:fld id="{042FBD73-FB32-4737-8235-DF678BF8518E}" type="datetime1">
               <a:rPr lang="en-US" smtClean="0"/>
-              <a:t>8/25/2019</a:t>
+              <a:t>10/6/2024</a:t>
             </a:fld>
             <a:endParaRPr lang="en-US"/>
           </a:p>
@@ -1857,7 +1857,7 @@
           <a:p>
             <a:fld id="{93C5715E-BC9A-4756-B545-E45DBAFE16FF}" type="datetime1">
               <a:rPr lang="en-US" smtClean="0"/>
-              <a:t>8/25/2019</a:t>
+              <a:t>10/6/2024</a:t>
             </a:fld>
             <a:endParaRPr lang="en-US"/>
           </a:p>
@@ -2179,7 +2179,7 @@
           <a:p>
             <a:fld id="{15F38DC1-2BA7-4067-85D6-C0883B84C355}" type="datetime1">
               <a:rPr lang="en-US" smtClean="0"/>
-              <a:t>8/25/2019</a:t>
+              <a:t>10/6/2024</a:t>
             </a:fld>
             <a:endParaRPr lang="en-US"/>
           </a:p>
@@ -2641,7 +2641,7 @@
           <a:p>
             <a:fld id="{B56C718B-0013-4619-AB37-3FFEFFA5BFC1}" type="datetime1">
               <a:rPr lang="en-US" smtClean="0"/>
-              <a:t>8/25/2019</a:t>
+              <a:t>10/6/2024</a:t>
             </a:fld>
             <a:endParaRPr lang="en-US"/>
           </a:p>
@@ -2801,7 +2801,7 @@
           <a:p>
             <a:fld id="{662FAE53-FCE5-47AE-B418-32203C9C51E9}" type="datetime1">
               <a:rPr lang="en-US" smtClean="0"/>
-              <a:t>8/25/2019</a:t>
+              <a:t>10/6/2024</a:t>
             </a:fld>
             <a:endParaRPr lang="en-US"/>
           </a:p>
@@ -2896,7 +2896,7 @@
           <a:p>
             <a:fld id="{C9FFF17E-499A-4B0D-9D8C-426F40C2A30B}" type="datetime1">
               <a:rPr lang="en-US" smtClean="0"/>
-              <a:t>8/25/2019</a:t>
+              <a:t>10/6/2024</a:t>
             </a:fld>
             <a:endParaRPr lang="en-US"/>
           </a:p>
@@ -3220,7 +3220,7 @@
           <a:p>
             <a:fld id="{683E7E6C-1162-4F38-B9DD-9B2CA20DBB70}" type="datetime1">
               <a:rPr lang="en-US" smtClean="0"/>
-              <a:t>8/25/2019</a:t>
+              <a:t>10/6/2024</a:t>
             </a:fld>
             <a:endParaRPr lang="en-US"/>
           </a:p>
@@ -3472,7 +3472,7 @@
           <a:p>
             <a:fld id="{09B805CC-93BA-4592-9310-E8552C4DF451}" type="datetime1">
               <a:rPr lang="en-US" smtClean="0"/>
-              <a:t>8/25/2019</a:t>
+              <a:t>10/6/2024</a:t>
             </a:fld>
             <a:endParaRPr lang="en-US"/>
           </a:p>
@@ -3726,7 +3726,7 @@
           <a:p>
             <a:fld id="{16D2E810-919D-4ED6-98B2-E261E4959D00}" type="datetime1">
               <a:rPr lang="en-US" smtClean="0"/>
-              <a:t>8/25/2019</a:t>
+              <a:t>10/6/2024</a:t>
             </a:fld>
             <a:endParaRPr lang="en-US"/>
           </a:p>
@@ -5176,9 +5176,7 @@
           <p:cNvGraphicFramePr>
             <a:graphicFrameLocks noChangeAspect="1"/>
           </p:cNvGraphicFramePr>
-          <p:nvPr>
-            <p:extLst/>
-          </p:nvPr>
+          <p:nvPr/>
         </p:nvGraphicFramePr>
         <p:xfrm>
           <a:off x="5745163" y="4753555"/>
@@ -5188,12 +5186,12 @@
           <a:graphicData uri="http://schemas.openxmlformats.org/presentationml/2006/ole">
             <mc:AlternateContent xmlns:mc="http://schemas.openxmlformats.org/markup-compatibility/2006">
               <mc:Choice xmlns:v="urn:schemas-microsoft-com:vml" Requires="v">
-                <p:oleObj spid="_x0000_s74784" name="Equation" r:id="rId3" imgW="152280" imgH="190440" progId="Equation.3">
+                <p:oleObj name="Equation" r:id="rId2" imgW="152280" imgH="190440" progId="Equation.3">
                   <p:embed/>
                 </p:oleObj>
               </mc:Choice>
               <mc:Fallback>
-                <p:oleObj name="Equation" r:id="rId3" imgW="152280" imgH="190440" progId="Equation.3">
+                <p:oleObj name="Equation" r:id="rId2" imgW="152280" imgH="190440" progId="Equation.3">
                   <p:embed/>
                   <p:pic>
                     <p:nvPicPr>
@@ -5204,7 +5202,7 @@
                       <p:nvPr/>
                     </p:nvPicPr>
                     <p:blipFill>
-                      <a:blip r:embed="rId4"/>
+                      <a:blip r:embed="rId3"/>
                       <a:srcRect/>
                       <a:stretch>
                         <a:fillRect/>
@@ -5236,9 +5234,7 @@
           <p:cNvGraphicFramePr>
             <a:graphicFrameLocks noChangeAspect="1"/>
           </p:cNvGraphicFramePr>
-          <p:nvPr>
-            <p:extLst/>
-          </p:nvPr>
+          <p:nvPr/>
         </p:nvGraphicFramePr>
         <p:xfrm>
           <a:off x="5757203" y="5340490"/>
@@ -5248,12 +5244,12 @@
           <a:graphicData uri="http://schemas.openxmlformats.org/presentationml/2006/ole">
             <mc:AlternateContent xmlns:mc="http://schemas.openxmlformats.org/markup-compatibility/2006">
               <mc:Choice xmlns:v="urn:schemas-microsoft-com:vml" Requires="v">
-                <p:oleObj spid="_x0000_s74785" name="Equation" r:id="rId5" imgW="139680" imgH="203040" progId="Equation.3">
+                <p:oleObj name="Equation" r:id="rId4" imgW="139680" imgH="203040" progId="Equation.3">
                   <p:embed/>
                 </p:oleObj>
               </mc:Choice>
               <mc:Fallback>
-                <p:oleObj name="Equation" r:id="rId5" imgW="139680" imgH="203040" progId="Equation.3">
+                <p:oleObj name="Equation" r:id="rId4" imgW="139680" imgH="203040" progId="Equation.3">
                   <p:embed/>
                   <p:pic>
                     <p:nvPicPr>
@@ -5264,7 +5260,7 @@
                       <p:nvPr/>
                     </p:nvPicPr>
                     <p:blipFill>
-                      <a:blip r:embed="rId6"/>
+                      <a:blip r:embed="rId5"/>
                       <a:srcRect/>
                       <a:stretch>
                         <a:fillRect/>
@@ -5498,9 +5494,7 @@
           <p:cNvGraphicFramePr>
             <a:graphicFrameLocks noChangeAspect="1"/>
           </p:cNvGraphicFramePr>
-          <p:nvPr>
-            <p:extLst/>
-          </p:nvPr>
+          <p:nvPr/>
         </p:nvGraphicFramePr>
         <p:xfrm>
           <a:off x="4458494" y="6996112"/>
@@ -5510,12 +5504,12 @@
           <a:graphicData uri="http://schemas.openxmlformats.org/presentationml/2006/ole">
             <mc:AlternateContent xmlns:mc="http://schemas.openxmlformats.org/markup-compatibility/2006">
               <mc:Choice xmlns:v="urn:schemas-microsoft-com:vml" Requires="v">
-                <p:oleObj spid="_x0000_s74786" name="Equation" r:id="rId7" imgW="1815840" imgH="1523880" progId="Equation.3">
+                <p:oleObj name="Equation" r:id="rId6" imgW="1815840" imgH="1523880" progId="Equation.3">
                   <p:embed/>
                 </p:oleObj>
               </mc:Choice>
               <mc:Fallback>
-                <p:oleObj name="Equation" r:id="rId7" imgW="1815840" imgH="1523880" progId="Equation.3">
+                <p:oleObj name="Equation" r:id="rId6" imgW="1815840" imgH="1523880" progId="Equation.3">
                   <p:embed/>
                   <p:pic>
                     <p:nvPicPr>
@@ -5526,7 +5520,7 @@
                       <p:nvPr/>
                     </p:nvPicPr>
                     <p:blipFill>
-                      <a:blip r:embed="rId8"/>
+                      <a:blip r:embed="rId7"/>
                       <a:srcRect/>
                       <a:stretch>
                         <a:fillRect/>
@@ -6326,12 +6320,12 @@
           <a:graphicData uri="http://schemas.openxmlformats.org/presentationml/2006/ole">
             <mc:AlternateContent xmlns:mc="http://schemas.openxmlformats.org/markup-compatibility/2006">
               <mc:Choice xmlns:v="urn:schemas-microsoft-com:vml" Requires="v">
-                <p:oleObj spid="_x0000_s75808" name="Equation" r:id="rId3" imgW="152280" imgH="190440" progId="Equation.3">
+                <p:oleObj name="Equation" r:id="rId2" imgW="152280" imgH="190440" progId="Equation.3">
                   <p:embed/>
                 </p:oleObj>
               </mc:Choice>
               <mc:Fallback>
-                <p:oleObj name="Equation" r:id="rId3" imgW="152280" imgH="190440" progId="Equation.3">
+                <p:oleObj name="Equation" r:id="rId2" imgW="152280" imgH="190440" progId="Equation.3">
                   <p:embed/>
                   <p:pic>
                     <p:nvPicPr>
@@ -6342,7 +6336,7 @@
                       <p:nvPr/>
                     </p:nvPicPr>
                     <p:blipFill>
-                      <a:blip r:embed="rId4"/>
+                      <a:blip r:embed="rId3"/>
                       <a:srcRect/>
                       <a:stretch>
                         <a:fillRect/>
@@ -6390,12 +6384,12 @@
           <a:graphicData uri="http://schemas.openxmlformats.org/presentationml/2006/ole">
             <mc:AlternateContent xmlns:mc="http://schemas.openxmlformats.org/markup-compatibility/2006">
               <mc:Choice xmlns:v="urn:schemas-microsoft-com:vml" Requires="v">
-                <p:oleObj spid="_x0000_s75809" name="Equation" r:id="rId5" imgW="139680" imgH="203040" progId="Equation.3">
+                <p:oleObj name="Equation" r:id="rId4" imgW="139680" imgH="203040" progId="Equation.3">
                   <p:embed/>
                 </p:oleObj>
               </mc:Choice>
               <mc:Fallback>
-                <p:oleObj name="Equation" r:id="rId5" imgW="139680" imgH="203040" progId="Equation.3">
+                <p:oleObj name="Equation" r:id="rId4" imgW="139680" imgH="203040" progId="Equation.3">
                   <p:embed/>
                   <p:pic>
                     <p:nvPicPr>
@@ -6406,7 +6400,7 @@
                       <p:nvPr/>
                     </p:nvPicPr>
                     <p:blipFill>
-                      <a:blip r:embed="rId6"/>
+                      <a:blip r:embed="rId5"/>
                       <a:srcRect/>
                       <a:stretch>
                         <a:fillRect/>
@@ -6642,9 +6636,7 @@
           <p:cNvGraphicFramePr>
             <a:graphicFrameLocks noChangeAspect="1"/>
           </p:cNvGraphicFramePr>
-          <p:nvPr>
-            <p:extLst/>
-          </p:nvPr>
+          <p:nvPr/>
         </p:nvGraphicFramePr>
         <p:xfrm>
           <a:off x="4364038" y="7051675"/>
@@ -6654,12 +6646,12 @@
           <a:graphicData uri="http://schemas.openxmlformats.org/presentationml/2006/ole">
             <mc:AlternateContent xmlns:mc="http://schemas.openxmlformats.org/markup-compatibility/2006">
               <mc:Choice xmlns:v="urn:schemas-microsoft-com:vml" Requires="v">
-                <p:oleObj spid="_x0000_s75810" name="Equation" r:id="rId7" imgW="1968480" imgH="1434960" progId="Equation.3">
+                <p:oleObj name="Equation" r:id="rId6" imgW="1968480" imgH="1434960" progId="Equation.3">
                   <p:embed/>
                 </p:oleObj>
               </mc:Choice>
               <mc:Fallback>
-                <p:oleObj name="Equation" r:id="rId7" imgW="1968480" imgH="1434960" progId="Equation.3">
+                <p:oleObj name="Equation" r:id="rId6" imgW="1968480" imgH="1434960" progId="Equation.3">
                   <p:embed/>
                   <p:pic>
                     <p:nvPicPr>
@@ -6670,7 +6662,7 @@
                       <p:nvPr/>
                     </p:nvPicPr>
                     <p:blipFill>
-                      <a:blip r:embed="rId8"/>
+                      <a:blip r:embed="rId7"/>
                       <a:srcRect/>
                       <a:stretch>
                         <a:fillRect/>
@@ -9450,12 +9442,12 @@
           <a:graphicData uri="http://schemas.openxmlformats.org/presentationml/2006/ole">
             <mc:AlternateContent xmlns:mc="http://schemas.openxmlformats.org/markup-compatibility/2006">
               <mc:Choice xmlns:v="urn:schemas-microsoft-com:vml" Requires="v">
-                <p:oleObj spid="_x0000_s80908" name="Equation" r:id="rId3" imgW="660240" imgH="393480" progId="Equation.3">
+                <p:oleObj name="Equation" r:id="rId2" imgW="660240" imgH="393480" progId="Equation.3">
                   <p:embed/>
                 </p:oleObj>
               </mc:Choice>
               <mc:Fallback>
-                <p:oleObj name="Equation" r:id="rId3" imgW="660240" imgH="393480" progId="Equation.3">
+                <p:oleObj name="Equation" r:id="rId2" imgW="660240" imgH="393480" progId="Equation.3">
                   <p:embed/>
                   <p:pic>
                     <p:nvPicPr>
@@ -9466,7 +9458,7 @@
                       <p:nvPr/>
                     </p:nvPicPr>
                     <p:blipFill>
-                      <a:blip r:embed="rId4"/>
+                      <a:blip r:embed="rId3"/>
                       <a:srcRect/>
                       <a:stretch>
                         <a:fillRect/>
@@ -9484,7 +9476,6 @@
                       <a:ln>
                         <a:noFill/>
                       </a:ln>
-                      <a:extLst/>
                     </p:spPr>
                   </p:pic>
                 </p:oleObj>
@@ -9648,7 +9639,7 @@
           <p:nvPr/>
         </p:nvPicPr>
         <p:blipFill>
-          <a:blip r:embed="rId3" cstate="print"/>
+          <a:blip r:embed="rId2" cstate="print"/>
           <a:srcRect/>
           <a:stretch>
             <a:fillRect/>
@@ -10607,9 +10598,7 @@
           <p:cNvGraphicFramePr>
             <a:graphicFrameLocks noChangeAspect="1"/>
           </p:cNvGraphicFramePr>
-          <p:nvPr>
-            <p:extLst/>
-          </p:nvPr>
+          <p:nvPr/>
         </p:nvGraphicFramePr>
         <p:xfrm>
           <a:off x="735301" y="6304360"/>
@@ -10619,12 +10608,12 @@
           <a:graphicData uri="http://schemas.openxmlformats.org/presentationml/2006/ole">
             <mc:AlternateContent xmlns:mc="http://schemas.openxmlformats.org/markup-compatibility/2006">
               <mc:Choice xmlns:v="urn:schemas-microsoft-com:vml" Requires="v">
-                <p:oleObj spid="_x0000_s81931" name="Equation" r:id="rId4" imgW="139680" imgH="190440" progId="Equation.3">
+                <p:oleObj name="Equation" r:id="rId3" imgW="139680" imgH="190440" progId="Equation.3">
                   <p:embed/>
                 </p:oleObj>
               </mc:Choice>
               <mc:Fallback>
-                <p:oleObj name="Equation" r:id="rId4" imgW="139680" imgH="190440" progId="Equation.3">
+                <p:oleObj name="Equation" r:id="rId3" imgW="139680" imgH="190440" progId="Equation.3">
                   <p:embed/>
                   <p:pic>
                     <p:nvPicPr>
@@ -10635,7 +10624,7 @@
                       <p:nvPr/>
                     </p:nvPicPr>
                     <p:blipFill>
-                      <a:blip r:embed="rId5"/>
+                      <a:blip r:embed="rId4"/>
                       <a:srcRect/>
                       <a:stretch>
                         <a:fillRect/>
@@ -10806,7 +10795,7 @@
           <p:nvPr/>
         </p:nvPicPr>
         <p:blipFill>
-          <a:blip r:embed="rId3" cstate="print"/>
+          <a:blip r:embed="rId2" cstate="print"/>
           <a:srcRect/>
           <a:stretch>
             <a:fillRect/>
@@ -11031,12 +11020,12 @@
           <a:graphicData uri="http://schemas.openxmlformats.org/presentationml/2006/ole">
             <mc:AlternateContent xmlns:mc="http://schemas.openxmlformats.org/markup-compatibility/2006">
               <mc:Choice xmlns:v="urn:schemas-microsoft-com:vml" Requires="v">
-                <p:oleObj spid="_x0000_s82964" name="Equation" r:id="rId4" imgW="393529" imgH="253890" progId="Equation.3">
+                <p:oleObj name="Equation" r:id="rId3" imgW="393529" imgH="253890" progId="Equation.3">
                   <p:embed/>
                 </p:oleObj>
               </mc:Choice>
               <mc:Fallback>
-                <p:oleObj name="Equation" r:id="rId4" imgW="393529" imgH="253890" progId="Equation.3">
+                <p:oleObj name="Equation" r:id="rId3" imgW="393529" imgH="253890" progId="Equation.3">
                   <p:embed/>
                   <p:pic>
                     <p:nvPicPr>
@@ -11047,7 +11036,7 @@
                       <p:nvPr/>
                     </p:nvPicPr>
                     <p:blipFill>
-                      <a:blip r:embed="rId5">
+                      <a:blip r:embed="rId4">
                         <a:extLst>
                           <a:ext uri="{28A0092B-C50C-407E-A947-70E740481C1C}">
                             <a14:useLocalDpi xmlns:a14="http://schemas.microsoft.com/office/drawing/2010/main" val="0"/>
@@ -11101,12 +11090,12 @@
           <a:graphicData uri="http://schemas.openxmlformats.org/presentationml/2006/ole">
             <mc:AlternateContent xmlns:mc="http://schemas.openxmlformats.org/markup-compatibility/2006">
               <mc:Choice xmlns:v="urn:schemas-microsoft-com:vml" Requires="v">
-                <p:oleObj spid="_x0000_s82965" name="Equation" r:id="rId6" imgW="647419" imgH="253890" progId="Equation.3">
+                <p:oleObj name="Equation" r:id="rId5" imgW="647419" imgH="253890" progId="Equation.3">
                   <p:embed/>
                 </p:oleObj>
               </mc:Choice>
               <mc:Fallback>
-                <p:oleObj name="Equation" r:id="rId6" imgW="647419" imgH="253890" progId="Equation.3">
+                <p:oleObj name="Equation" r:id="rId5" imgW="647419" imgH="253890" progId="Equation.3">
                   <p:embed/>
                   <p:pic>
                     <p:nvPicPr>
@@ -11117,7 +11106,7 @@
                       <p:nvPr/>
                     </p:nvPicPr>
                     <p:blipFill>
-                      <a:blip r:embed="rId7">
+                      <a:blip r:embed="rId6">
                         <a:extLst>
                           <a:ext uri="{28A0092B-C50C-407E-A947-70E740481C1C}">
                             <a14:useLocalDpi xmlns:a14="http://schemas.microsoft.com/office/drawing/2010/main" val="0"/>
@@ -11652,7 +11641,7 @@
           <p:nvPr/>
         </p:nvPicPr>
         <p:blipFill>
-          <a:blip r:embed="rId3" cstate="print"/>
+          <a:blip r:embed="rId2" cstate="print"/>
           <a:srcRect/>
           <a:stretch>
             <a:fillRect/>
@@ -12037,9 +12026,7 @@
           <p:cNvGraphicFramePr>
             <a:graphicFrameLocks noChangeAspect="1"/>
           </p:cNvGraphicFramePr>
-          <p:nvPr>
-            <p:extLst/>
-          </p:nvPr>
+          <p:nvPr/>
         </p:nvGraphicFramePr>
         <p:xfrm>
           <a:off x="5290413" y="7342605"/>
@@ -12049,12 +12036,12 @@
           <a:graphicData uri="http://schemas.openxmlformats.org/presentationml/2006/ole">
             <mc:AlternateContent xmlns:mc="http://schemas.openxmlformats.org/markup-compatibility/2006">
               <mc:Choice xmlns:v="urn:schemas-microsoft-com:vml" Requires="v">
-                <p:oleObj spid="_x0000_s77856" name="Equation" r:id="rId4" imgW="1282700" imgH="520700" progId="Equation.3">
+                <p:oleObj name="Equation" r:id="rId3" imgW="1282700" imgH="520700" progId="Equation.3">
                   <p:embed/>
                 </p:oleObj>
               </mc:Choice>
               <mc:Fallback>
-                <p:oleObj name="Equation" r:id="rId4" imgW="1282700" imgH="520700" progId="Equation.3">
+                <p:oleObj name="Equation" r:id="rId3" imgW="1282700" imgH="520700" progId="Equation.3">
                   <p:embed/>
                   <p:pic>
                     <p:nvPicPr>
@@ -12065,7 +12052,7 @@
                       <p:nvPr/>
                     </p:nvPicPr>
                     <p:blipFill>
-                      <a:blip r:embed="rId5">
+                      <a:blip r:embed="rId4">
                         <a:extLst>
                           <a:ext uri="{28A0092B-C50C-407E-A947-70E740481C1C}">
                             <a14:useLocalDpi xmlns:a14="http://schemas.microsoft.com/office/drawing/2010/main" val="0"/>
@@ -12109,9 +12096,7 @@
           <p:cNvGraphicFramePr>
             <a:graphicFrameLocks noChangeAspect="1"/>
           </p:cNvGraphicFramePr>
-          <p:nvPr>
-            <p:extLst/>
-          </p:nvPr>
+          <p:nvPr/>
         </p:nvGraphicFramePr>
         <p:xfrm>
           <a:off x="5647600" y="5978942"/>
@@ -12121,12 +12106,12 @@
           <a:graphicData uri="http://schemas.openxmlformats.org/presentationml/2006/ole">
             <mc:AlternateContent xmlns:mc="http://schemas.openxmlformats.org/markup-compatibility/2006">
               <mc:Choice xmlns:v="urn:schemas-microsoft-com:vml" Requires="v">
-                <p:oleObj spid="_x0000_s77857" name="Equation" r:id="rId6" imgW="685800" imgH="393700" progId="Equation.3">
+                <p:oleObj name="Equation" r:id="rId5" imgW="685800" imgH="393700" progId="Equation.3">
                   <p:embed/>
                 </p:oleObj>
               </mc:Choice>
               <mc:Fallback>
-                <p:oleObj name="Equation" r:id="rId6" imgW="685800" imgH="393700" progId="Equation.3">
+                <p:oleObj name="Equation" r:id="rId5" imgW="685800" imgH="393700" progId="Equation.3">
                   <p:embed/>
                   <p:pic>
                     <p:nvPicPr>
@@ -12137,7 +12122,7 @@
                       <p:nvPr/>
                     </p:nvPicPr>
                     <p:blipFill>
-                      <a:blip r:embed="rId7">
+                      <a:blip r:embed="rId6">
                         <a:extLst>
                           <a:ext uri="{28A0092B-C50C-407E-A947-70E740481C1C}">
                             <a14:useLocalDpi xmlns:a14="http://schemas.microsoft.com/office/drawing/2010/main" val="0"/>
@@ -12181,9 +12166,7 @@
           <p:cNvGraphicFramePr>
             <a:graphicFrameLocks noChangeAspect="1"/>
           </p:cNvGraphicFramePr>
-          <p:nvPr>
-            <p:extLst/>
-          </p:nvPr>
+          <p:nvPr/>
         </p:nvGraphicFramePr>
         <p:xfrm>
           <a:off x="5723800" y="4683542"/>
@@ -12193,12 +12176,12 @@
           <a:graphicData uri="http://schemas.openxmlformats.org/presentationml/2006/ole">
             <mc:AlternateContent xmlns:mc="http://schemas.openxmlformats.org/markup-compatibility/2006">
               <mc:Choice xmlns:v="urn:schemas-microsoft-com:vml" Requires="v">
-                <p:oleObj spid="_x0000_s77858" name="Equation" r:id="rId8" imgW="774364" imgH="253890" progId="Equation.3">
+                <p:oleObj name="Equation" r:id="rId7" imgW="774364" imgH="253890" progId="Equation.3">
                   <p:embed/>
                 </p:oleObj>
               </mc:Choice>
               <mc:Fallback>
-                <p:oleObj name="Equation" r:id="rId8" imgW="774364" imgH="253890" progId="Equation.3">
+                <p:oleObj name="Equation" r:id="rId7" imgW="774364" imgH="253890" progId="Equation.3">
                   <p:embed/>
                   <p:pic>
                     <p:nvPicPr>
@@ -12209,7 +12192,7 @@
                       <p:nvPr/>
                     </p:nvPicPr>
                     <p:blipFill>
-                      <a:blip r:embed="rId9">
+                      <a:blip r:embed="rId8">
                         <a:extLst>
                           <a:ext uri="{28A0092B-C50C-407E-A947-70E740481C1C}">
                             <a14:useLocalDpi xmlns:a14="http://schemas.microsoft.com/office/drawing/2010/main" val="0"/>
@@ -12839,7 +12822,7 @@
                 </a:solidFill>
                 <a:cs typeface="Times New Roman" panose="02020603050405020304" pitchFamily="18" charset="0"/>
               </a:rPr>
-              <a:t>. The important thing to note is the unexplained portion shows up in the denominator of the standard error. As a result, the size of the standard error will be proportional to the amount of unexplained variance (plus a couple of other considerations to be covered later).</a:t>
+              <a:t>. The important thing to note is the unexplained portion shows up in the numerator of the standard error. As a result, the size of the standard error will be proportional to the amount of unexplained variance (plus a couple of other considerations to be covered later).</a:t>
             </a:r>
           </a:p>
         </p:txBody>
@@ -13458,9 +13441,7 @@
           <p:cNvGraphicFramePr>
             <a:graphicFrameLocks noChangeAspect="1"/>
           </p:cNvGraphicFramePr>
-          <p:nvPr>
-            <p:extLst/>
-          </p:nvPr>
+          <p:nvPr/>
         </p:nvGraphicFramePr>
         <p:xfrm>
           <a:off x="3305082" y="5268040"/>
@@ -13470,12 +13451,12 @@
           <a:graphicData uri="http://schemas.openxmlformats.org/presentationml/2006/ole">
             <mc:AlternateContent xmlns:mc="http://schemas.openxmlformats.org/markup-compatibility/2006">
               <mc:Choice xmlns:v="urn:schemas-microsoft-com:vml" Requires="v">
-                <p:oleObj spid="_x0000_s89106" name="Equation" r:id="rId3" imgW="139680" imgH="190440" progId="Equation.3">
+                <p:oleObj name="Equation" r:id="rId2" imgW="139680" imgH="190440" progId="Equation.3">
                   <p:embed/>
                 </p:oleObj>
               </mc:Choice>
               <mc:Fallback>
-                <p:oleObj name="Equation" r:id="rId3" imgW="139680" imgH="190440" progId="Equation.3">
+                <p:oleObj name="Equation" r:id="rId2" imgW="139680" imgH="190440" progId="Equation.3">
                   <p:embed/>
                   <p:pic>
                     <p:nvPicPr>
@@ -13486,7 +13467,7 @@
                       <p:nvPr/>
                     </p:nvPicPr>
                     <p:blipFill>
-                      <a:blip r:embed="rId4"/>
+                      <a:blip r:embed="rId3"/>
                       <a:srcRect/>
                       <a:stretch>
                         <a:fillRect/>
@@ -13537,9 +13518,7 @@
           <p:cNvGraphicFramePr>
             <a:graphicFrameLocks noChangeAspect="1"/>
           </p:cNvGraphicFramePr>
-          <p:nvPr>
-            <p:extLst/>
-          </p:nvPr>
+          <p:nvPr/>
         </p:nvGraphicFramePr>
         <p:xfrm>
           <a:off x="287078" y="4960453"/>
@@ -13549,12 +13528,12 @@
           <a:graphicData uri="http://schemas.openxmlformats.org/presentationml/2006/ole">
             <mc:AlternateContent xmlns:mc="http://schemas.openxmlformats.org/markup-compatibility/2006">
               <mc:Choice xmlns:v="urn:schemas-microsoft-com:vml" Requires="v">
-                <p:oleObj spid="_x0000_s89107" name="Equation" r:id="rId5" imgW="1307880" imgH="457200" progId="Equation.3">
+                <p:oleObj name="Equation" r:id="rId4" imgW="1307880" imgH="457200" progId="Equation.3">
                   <p:embed/>
                 </p:oleObj>
               </mc:Choice>
               <mc:Fallback>
-                <p:oleObj name="Equation" r:id="rId5" imgW="1307880" imgH="457200" progId="Equation.3">
+                <p:oleObj name="Equation" r:id="rId4" imgW="1307880" imgH="457200" progId="Equation.3">
                   <p:embed/>
                   <p:pic>
                     <p:nvPicPr>
@@ -13565,7 +13544,7 @@
                       <p:nvPr/>
                     </p:nvPicPr>
                     <p:blipFill>
-                      <a:blip r:embed="rId6">
+                      <a:blip r:embed="rId5">
                         <a:extLst>
                           <a:ext uri="{28A0092B-C50C-407E-A947-70E740481C1C}">
                             <a14:useLocalDpi xmlns:a14="http://schemas.microsoft.com/office/drawing/2010/main" val="0"/>
@@ -13589,7 +13568,6 @@
                       <a:ln>
                         <a:noFill/>
                       </a:ln>
-                      <a:extLst/>
                     </p:spPr>
                   </p:pic>
                 </p:oleObj>
@@ -14414,9 +14392,7 @@
           <p:cNvGraphicFramePr>
             <a:graphicFrameLocks noChangeAspect="1"/>
           </p:cNvGraphicFramePr>
-          <p:nvPr>
-            <p:extLst/>
-          </p:nvPr>
+          <p:nvPr/>
         </p:nvGraphicFramePr>
         <p:xfrm>
           <a:off x="1766332" y="5554108"/>
@@ -14426,12 +14402,12 @@
           <a:graphicData uri="http://schemas.openxmlformats.org/presentationml/2006/ole">
             <mc:AlternateContent xmlns:mc="http://schemas.openxmlformats.org/markup-compatibility/2006">
               <mc:Choice xmlns:v="urn:schemas-microsoft-com:vml" Requires="v">
-                <p:oleObj spid="_x0000_s69678" name="Equation" r:id="rId3" imgW="1422360" imgH="469800" progId="Equation.3">
+                <p:oleObj name="Equation" r:id="rId2" imgW="1422360" imgH="469800" progId="Equation.3">
                   <p:embed/>
                 </p:oleObj>
               </mc:Choice>
               <mc:Fallback>
-                <p:oleObj name="Equation" r:id="rId3" imgW="1422360" imgH="469800" progId="Equation.3">
+                <p:oleObj name="Equation" r:id="rId2" imgW="1422360" imgH="469800" progId="Equation.3">
                   <p:embed/>
                   <p:pic>
                     <p:nvPicPr>
@@ -14442,7 +14418,7 @@
                       <p:nvPr/>
                     </p:nvPicPr>
                     <p:blipFill>
-                      <a:blip r:embed="rId4"/>
+                      <a:blip r:embed="rId3"/>
                       <a:srcRect/>
                       <a:stretch>
                         <a:fillRect/>
@@ -14480,9 +14456,7 @@
           <p:cNvGraphicFramePr>
             <a:graphicFrameLocks noChangeAspect="1"/>
           </p:cNvGraphicFramePr>
-          <p:nvPr>
-            <p:extLst/>
-          </p:nvPr>
+          <p:nvPr/>
         </p:nvGraphicFramePr>
         <p:xfrm>
           <a:off x="4482624" y="3606959"/>
@@ -14492,12 +14466,12 @@
           <a:graphicData uri="http://schemas.openxmlformats.org/presentationml/2006/ole">
             <mc:AlternateContent xmlns:mc="http://schemas.openxmlformats.org/markup-compatibility/2006">
               <mc:Choice xmlns:v="urn:schemas-microsoft-com:vml" Requires="v">
-                <p:oleObj spid="_x0000_s69679" name="Equation" r:id="rId5" imgW="1777680" imgH="952200" progId="Equation.3">
+                <p:oleObj name="Equation" r:id="rId4" imgW="1777680" imgH="952200" progId="Equation.3">
                   <p:embed/>
                 </p:oleObj>
               </mc:Choice>
               <mc:Fallback>
-                <p:oleObj name="Equation" r:id="rId5" imgW="1777680" imgH="952200" progId="Equation.3">
+                <p:oleObj name="Equation" r:id="rId4" imgW="1777680" imgH="952200" progId="Equation.3">
                   <p:embed/>
                   <p:pic>
                     <p:nvPicPr>
@@ -14508,7 +14482,7 @@
                       <p:nvPr/>
                     </p:nvPicPr>
                     <p:blipFill>
-                      <a:blip r:embed="rId6"/>
+                      <a:blip r:embed="rId5"/>
                       <a:srcRect/>
                       <a:stretch>
                         <a:fillRect/>
@@ -14546,9 +14520,7 @@
           <p:cNvGraphicFramePr>
             <a:graphicFrameLocks noChangeAspect="1"/>
           </p:cNvGraphicFramePr>
-          <p:nvPr>
-            <p:extLst/>
-          </p:nvPr>
+          <p:nvPr/>
         </p:nvGraphicFramePr>
         <p:xfrm>
           <a:off x="842010" y="3992712"/>
@@ -14558,12 +14530,12 @@
           <a:graphicData uri="http://schemas.openxmlformats.org/presentationml/2006/ole">
             <mc:AlternateContent xmlns:mc="http://schemas.openxmlformats.org/markup-compatibility/2006">
               <mc:Choice xmlns:v="urn:schemas-microsoft-com:vml" Requires="v">
-                <p:oleObj spid="_x0000_s69680" name="Equation" r:id="rId7" imgW="660400" imgH="419100" progId="Equation.3">
+                <p:oleObj name="Equation" r:id="rId6" imgW="660400" imgH="419100" progId="Equation.3">
                   <p:embed/>
                 </p:oleObj>
               </mc:Choice>
               <mc:Fallback>
-                <p:oleObj name="Equation" r:id="rId7" imgW="660400" imgH="419100" progId="Equation.3">
+                <p:oleObj name="Equation" r:id="rId6" imgW="660400" imgH="419100" progId="Equation.3">
                   <p:embed/>
                   <p:pic>
                     <p:nvPicPr>
@@ -14574,7 +14546,7 @@
                       <p:nvPr/>
                     </p:nvPicPr>
                     <p:blipFill>
-                      <a:blip r:embed="rId8">
+                      <a:blip r:embed="rId7">
                         <a:extLst>
                           <a:ext uri="{28A0092B-C50C-407E-A947-70E740481C1C}">
                             <a14:useLocalDpi xmlns:a14="http://schemas.microsoft.com/office/drawing/2010/main" val="0"/>
@@ -14754,9 +14726,7 @@
           <p:cNvGraphicFramePr>
             <a:graphicFrameLocks noChangeAspect="1"/>
           </p:cNvGraphicFramePr>
-          <p:nvPr>
-            <p:extLst/>
-          </p:nvPr>
+          <p:nvPr/>
         </p:nvGraphicFramePr>
         <p:xfrm>
           <a:off x="1814909" y="6777990"/>
@@ -14766,12 +14736,12 @@
           <a:graphicData uri="http://schemas.openxmlformats.org/presentationml/2006/ole">
             <mc:AlternateContent xmlns:mc="http://schemas.openxmlformats.org/markup-compatibility/2006">
               <mc:Choice xmlns:v="urn:schemas-microsoft-com:vml" Requires="v">
-                <p:oleObj spid="_x0000_s69681" name="Equation" r:id="rId9" imgW="1282680" imgH="533160" progId="Equation.3">
+                <p:oleObj name="Equation" r:id="rId8" imgW="1282680" imgH="533160" progId="Equation.3">
                   <p:embed/>
                 </p:oleObj>
               </mc:Choice>
               <mc:Fallback>
-                <p:oleObj name="Equation" r:id="rId9" imgW="1282680" imgH="533160" progId="Equation.3">
+                <p:oleObj name="Equation" r:id="rId8" imgW="1282680" imgH="533160" progId="Equation.3">
                   <p:embed/>
                   <p:pic>
                     <p:nvPicPr>
@@ -14782,7 +14752,7 @@
                       <p:nvPr/>
                     </p:nvPicPr>
                     <p:blipFill>
-                      <a:blip r:embed="rId10"/>
+                      <a:blip r:embed="rId9"/>
                       <a:srcRect/>
                       <a:stretch>
                         <a:fillRect/>
@@ -15356,9 +15326,7 @@
           <p:cNvGraphicFramePr>
             <a:graphicFrameLocks noChangeAspect="1"/>
           </p:cNvGraphicFramePr>
-          <p:nvPr>
-            <p:extLst/>
-          </p:nvPr>
+          <p:nvPr/>
         </p:nvGraphicFramePr>
         <p:xfrm>
           <a:off x="3013173" y="2057400"/>
@@ -15368,7 +15336,7 @@
           <a:graphicData uri="http://schemas.openxmlformats.org/presentationml/2006/ole">
             <mc:AlternateContent xmlns:mc="http://schemas.openxmlformats.org/markup-compatibility/2006">
               <mc:Choice xmlns:v="urn:schemas-microsoft-com:vml" Requires="v">
-                <p:oleObj spid="_x0000_s78860" name="Equation" r:id="rId4" imgW="1282700" imgH="520700" progId="Equation.3">
+                <p:oleObj name="Equation" r:id="rId4" imgW="1282700" imgH="520700" progId="Equation.3">
                   <p:embed/>
                 </p:oleObj>
               </mc:Choice>
@@ -15557,9 +15525,7 @@
           <p:cNvGraphicFramePr>
             <a:graphicFrameLocks noChangeAspect="1"/>
           </p:cNvGraphicFramePr>
-          <p:nvPr>
-            <p:extLst/>
-          </p:nvPr>
+          <p:nvPr/>
         </p:nvGraphicFramePr>
         <p:xfrm>
           <a:off x="2473872" y="2986207"/>
@@ -15569,12 +15535,12 @@
           <a:graphicData uri="http://schemas.openxmlformats.org/presentationml/2006/ole">
             <mc:AlternateContent xmlns:mc="http://schemas.openxmlformats.org/markup-compatibility/2006">
               <mc:Choice xmlns:v="urn:schemas-microsoft-com:vml" Requires="v">
-                <p:oleObj spid="_x0000_s92225" name="Equation" r:id="rId3" imgW="1079280" imgH="444240" progId="Equation.3">
+                <p:oleObj name="Equation" r:id="rId2" imgW="1079280" imgH="444240" progId="Equation.3">
                   <p:embed/>
                 </p:oleObj>
               </mc:Choice>
               <mc:Fallback>
-                <p:oleObj name="Equation" r:id="rId3" imgW="1079280" imgH="444240" progId="Equation.3">
+                <p:oleObj name="Equation" r:id="rId2" imgW="1079280" imgH="444240" progId="Equation.3">
                   <p:embed/>
                   <p:pic>
                     <p:nvPicPr>
@@ -15585,7 +15551,7 @@
                       <p:nvPr/>
                     </p:nvPicPr>
                     <p:blipFill>
-                      <a:blip r:embed="rId4">
+                      <a:blip r:embed="rId3">
                         <a:extLst>
                           <a:ext uri="{28A0092B-C50C-407E-A947-70E740481C1C}">
                             <a14:useLocalDpi xmlns:a14="http://schemas.microsoft.com/office/drawing/2010/main" val="0"/>
@@ -15739,9 +15705,7 @@
           <p:cNvGraphicFramePr>
             <a:graphicFrameLocks noChangeAspect="1"/>
           </p:cNvGraphicFramePr>
-          <p:nvPr>
-            <p:extLst/>
-          </p:nvPr>
+          <p:nvPr/>
         </p:nvGraphicFramePr>
         <p:xfrm>
           <a:off x="2880480" y="4519811"/>
@@ -15751,12 +15715,12 @@
           <a:graphicData uri="http://schemas.openxmlformats.org/presentationml/2006/ole">
             <mc:AlternateContent xmlns:mc="http://schemas.openxmlformats.org/markup-compatibility/2006">
               <mc:Choice xmlns:v="urn:schemas-microsoft-com:vml" Requires="v">
-                <p:oleObj spid="_x0000_s92226" name="Equation" r:id="rId5" imgW="647700" imgH="292100" progId="Equation.3">
+                <p:oleObj name="Equation" r:id="rId4" imgW="647700" imgH="292100" progId="Equation.3">
                   <p:embed/>
                 </p:oleObj>
               </mc:Choice>
               <mc:Fallback>
-                <p:oleObj name="Equation" r:id="rId5" imgW="647700" imgH="292100" progId="Equation.3">
+                <p:oleObj name="Equation" r:id="rId4" imgW="647700" imgH="292100" progId="Equation.3">
                   <p:embed/>
                   <p:pic>
                     <p:nvPicPr>
@@ -15767,7 +15731,7 @@
                       <p:nvPr/>
                     </p:nvPicPr>
                     <p:blipFill>
-                      <a:blip r:embed="rId6">
+                      <a:blip r:embed="rId5">
                         <a:extLst>
                           <a:ext uri="{28A0092B-C50C-407E-A947-70E740481C1C}">
                             <a14:useLocalDpi xmlns:a14="http://schemas.microsoft.com/office/drawing/2010/main" val="0"/>
@@ -15811,9 +15775,7 @@
           <p:cNvGraphicFramePr>
             <a:graphicFrameLocks noChangeAspect="1"/>
           </p:cNvGraphicFramePr>
-          <p:nvPr>
-            <p:extLst/>
-          </p:nvPr>
+          <p:nvPr/>
         </p:nvGraphicFramePr>
         <p:xfrm>
           <a:off x="2855080" y="5530692"/>
@@ -15823,12 +15785,12 @@
           <a:graphicData uri="http://schemas.openxmlformats.org/presentationml/2006/ole">
             <mc:AlternateContent xmlns:mc="http://schemas.openxmlformats.org/markup-compatibility/2006">
               <mc:Choice xmlns:v="urn:schemas-microsoft-com:vml" Requires="v">
-                <p:oleObj spid="_x0000_s92227" name="Equation" r:id="rId7" imgW="660400" imgH="419100" progId="Equation.3">
+                <p:oleObj name="Equation" r:id="rId6" imgW="660400" imgH="419100" progId="Equation.3">
                   <p:embed/>
                 </p:oleObj>
               </mc:Choice>
               <mc:Fallback>
-                <p:oleObj name="Equation" r:id="rId7" imgW="660400" imgH="419100" progId="Equation.3">
+                <p:oleObj name="Equation" r:id="rId6" imgW="660400" imgH="419100" progId="Equation.3">
                   <p:embed/>
                   <p:pic>
                     <p:nvPicPr>
@@ -15839,7 +15801,7 @@
                       <p:nvPr/>
                     </p:nvPicPr>
                     <p:blipFill>
-                      <a:blip r:embed="rId8">
+                      <a:blip r:embed="rId7">
                         <a:extLst>
                           <a:ext uri="{28A0092B-C50C-407E-A947-70E740481C1C}">
                             <a14:useLocalDpi xmlns:a14="http://schemas.microsoft.com/office/drawing/2010/main" val="0"/>
@@ -15883,9 +15845,7 @@
           <p:cNvGraphicFramePr>
             <a:graphicFrameLocks noChangeAspect="1"/>
           </p:cNvGraphicFramePr>
-          <p:nvPr>
-            <p:extLst/>
-          </p:nvPr>
+          <p:nvPr/>
         </p:nvGraphicFramePr>
         <p:xfrm>
           <a:off x="4880218" y="6898305"/>
@@ -15895,12 +15855,12 @@
           <a:graphicData uri="http://schemas.openxmlformats.org/presentationml/2006/ole">
             <mc:AlternateContent xmlns:mc="http://schemas.openxmlformats.org/markup-compatibility/2006">
               <mc:Choice xmlns:v="urn:schemas-microsoft-com:vml" Requires="v">
-                <p:oleObj spid="_x0000_s92228" name="Equation" r:id="rId9" imgW="952087" imgH="241195" progId="Equation.3">
+                <p:oleObj name="Equation" r:id="rId8" imgW="952087" imgH="241195" progId="Equation.3">
                   <p:embed/>
                 </p:oleObj>
               </mc:Choice>
               <mc:Fallback>
-                <p:oleObj name="Equation" r:id="rId9" imgW="952087" imgH="241195" progId="Equation.3">
+                <p:oleObj name="Equation" r:id="rId8" imgW="952087" imgH="241195" progId="Equation.3">
                   <p:embed/>
                   <p:pic>
                     <p:nvPicPr>
@@ -15911,7 +15871,7 @@
                       <p:nvPr/>
                     </p:nvPicPr>
                     <p:blipFill>
-                      <a:blip r:embed="rId10">
+                      <a:blip r:embed="rId9">
                         <a:extLst>
                           <a:ext uri="{28A0092B-C50C-407E-A947-70E740481C1C}">
                             <a14:useLocalDpi xmlns:a14="http://schemas.microsoft.com/office/drawing/2010/main" val="0"/>
@@ -15955,9 +15915,7 @@
           <p:cNvGraphicFramePr>
             <a:graphicFrameLocks noChangeAspect="1"/>
           </p:cNvGraphicFramePr>
-          <p:nvPr>
-            <p:extLst/>
-          </p:nvPr>
+          <p:nvPr/>
         </p:nvGraphicFramePr>
         <p:xfrm>
           <a:off x="964926" y="8322558"/>
@@ -15967,12 +15925,12 @@
           <a:graphicData uri="http://schemas.openxmlformats.org/presentationml/2006/ole">
             <mc:AlternateContent xmlns:mc="http://schemas.openxmlformats.org/markup-compatibility/2006">
               <mc:Choice xmlns:v="urn:schemas-microsoft-com:vml" Requires="v">
-                <p:oleObj spid="_x0000_s92229" name="Equation" r:id="rId11" imgW="114151" imgH="215619" progId="Equation.3">
+                <p:oleObj name="Equation" r:id="rId10" imgW="114151" imgH="215619" progId="Equation.3">
                   <p:embed/>
                 </p:oleObj>
               </mc:Choice>
               <mc:Fallback>
-                <p:oleObj name="Equation" r:id="rId11" imgW="114151" imgH="215619" progId="Equation.3">
+                <p:oleObj name="Equation" r:id="rId10" imgW="114151" imgH="215619" progId="Equation.3">
                   <p:embed/>
                   <p:pic>
                     <p:nvPicPr>
@@ -15983,7 +15941,7 @@
                       <p:nvPr/>
                     </p:nvPicPr>
                     <p:blipFill>
-                      <a:blip r:embed="rId12">
+                      <a:blip r:embed="rId11">
                         <a:extLst>
                           <a:ext uri="{28A0092B-C50C-407E-A947-70E740481C1C}">
                             <a14:useLocalDpi xmlns:a14="http://schemas.microsoft.com/office/drawing/2010/main" val="0"/>
@@ -16027,9 +15985,7 @@
           <p:cNvGraphicFramePr>
             <a:graphicFrameLocks noChangeAspect="1"/>
           </p:cNvGraphicFramePr>
-          <p:nvPr>
-            <p:extLst/>
-          </p:nvPr>
+          <p:nvPr/>
         </p:nvGraphicFramePr>
         <p:xfrm>
           <a:off x="2767788" y="6949217"/>
@@ -16039,12 +15995,12 @@
           <a:graphicData uri="http://schemas.openxmlformats.org/presentationml/2006/ole">
             <mc:AlternateContent xmlns:mc="http://schemas.openxmlformats.org/markup-compatibility/2006">
               <mc:Choice xmlns:v="urn:schemas-microsoft-com:vml" Requires="v">
-                <p:oleObj spid="_x0000_s92230" name="Equation" r:id="rId13" imgW="876300" imgH="228600" progId="Equation.3">
+                <p:oleObj name="Equation" r:id="rId12" imgW="876300" imgH="228600" progId="Equation.3">
                   <p:embed/>
                 </p:oleObj>
               </mc:Choice>
               <mc:Fallback>
-                <p:oleObj name="Equation" r:id="rId13" imgW="876300" imgH="228600" progId="Equation.3">
+                <p:oleObj name="Equation" r:id="rId12" imgW="876300" imgH="228600" progId="Equation.3">
                   <p:embed/>
                   <p:pic>
                     <p:nvPicPr>
@@ -16055,7 +16011,7 @@
                       <p:nvPr/>
                     </p:nvPicPr>
                     <p:blipFill>
-                      <a:blip r:embed="rId14">
+                      <a:blip r:embed="rId13">
                         <a:extLst>
                           <a:ext uri="{28A0092B-C50C-407E-A947-70E740481C1C}">
                             <a14:useLocalDpi xmlns:a14="http://schemas.microsoft.com/office/drawing/2010/main" val="0"/>
@@ -16099,9 +16055,7 @@
           <p:cNvGraphicFramePr>
             <a:graphicFrameLocks noChangeAspect="1"/>
           </p:cNvGraphicFramePr>
-          <p:nvPr>
-            <p:extLst/>
-          </p:nvPr>
+          <p:nvPr/>
         </p:nvGraphicFramePr>
         <p:xfrm>
           <a:off x="4900063" y="2999170"/>
@@ -16111,12 +16065,12 @@
           <a:graphicData uri="http://schemas.openxmlformats.org/presentationml/2006/ole">
             <mc:AlternateContent xmlns:mc="http://schemas.openxmlformats.org/markup-compatibility/2006">
               <mc:Choice xmlns:v="urn:schemas-microsoft-com:vml" Requires="v">
-                <p:oleObj spid="_x0000_s92231" name="Equation" r:id="rId15" imgW="1180588" imgH="431613" progId="Equation.3">
+                <p:oleObj name="Equation" r:id="rId14" imgW="1180588" imgH="431613" progId="Equation.3">
                   <p:embed/>
                 </p:oleObj>
               </mc:Choice>
               <mc:Fallback>
-                <p:oleObj name="Equation" r:id="rId15" imgW="1180588" imgH="431613" progId="Equation.3">
+                <p:oleObj name="Equation" r:id="rId14" imgW="1180588" imgH="431613" progId="Equation.3">
                   <p:embed/>
                   <p:pic>
                     <p:nvPicPr>
@@ -16127,7 +16081,7 @@
                       <p:nvPr/>
                     </p:nvPicPr>
                     <p:blipFill>
-                      <a:blip r:embed="rId16">
+                      <a:blip r:embed="rId15">
                         <a:extLst>
                           <a:ext uri="{28A0092B-C50C-407E-A947-70E740481C1C}">
                             <a14:useLocalDpi xmlns:a14="http://schemas.microsoft.com/office/drawing/2010/main" val="0"/>
@@ -16171,9 +16125,7 @@
           <p:cNvGraphicFramePr>
             <a:graphicFrameLocks noChangeAspect="1"/>
           </p:cNvGraphicFramePr>
-          <p:nvPr>
-            <p:extLst/>
-          </p:nvPr>
+          <p:nvPr/>
         </p:nvGraphicFramePr>
         <p:xfrm>
           <a:off x="5227881" y="4519810"/>
@@ -16183,12 +16135,12 @@
           <a:graphicData uri="http://schemas.openxmlformats.org/presentationml/2006/ole">
             <mc:AlternateContent xmlns:mc="http://schemas.openxmlformats.org/markup-compatibility/2006">
               <mc:Choice xmlns:v="urn:schemas-microsoft-com:vml" Requires="v">
-                <p:oleObj spid="_x0000_s92232" name="Equation" r:id="rId17" imgW="647700" imgH="292100" progId="Equation.3">
+                <p:oleObj name="Equation" r:id="rId16" imgW="647700" imgH="292100" progId="Equation.3">
                   <p:embed/>
                 </p:oleObj>
               </mc:Choice>
               <mc:Fallback>
-                <p:oleObj name="Equation" r:id="rId17" imgW="647700" imgH="292100" progId="Equation.3">
+                <p:oleObj name="Equation" r:id="rId16" imgW="647700" imgH="292100" progId="Equation.3">
                   <p:embed/>
                   <p:pic>
                     <p:nvPicPr>
@@ -16199,7 +16151,7 @@
                       <p:nvPr/>
                     </p:nvPicPr>
                     <p:blipFill>
-                      <a:blip r:embed="rId18">
+                      <a:blip r:embed="rId17">
                         <a:extLst>
                           <a:ext uri="{28A0092B-C50C-407E-A947-70E740481C1C}">
                             <a14:useLocalDpi xmlns:a14="http://schemas.microsoft.com/office/drawing/2010/main" val="0"/>
@@ -16243,9 +16195,7 @@
           <p:cNvGraphicFramePr>
             <a:graphicFrameLocks noChangeAspect="1"/>
           </p:cNvGraphicFramePr>
-          <p:nvPr>
-            <p:extLst/>
-          </p:nvPr>
+          <p:nvPr/>
         </p:nvGraphicFramePr>
         <p:xfrm>
           <a:off x="4719881" y="5415598"/>
@@ -16255,12 +16205,12 @@
           <a:graphicData uri="http://schemas.openxmlformats.org/presentationml/2006/ole">
             <mc:AlternateContent xmlns:mc="http://schemas.openxmlformats.org/markup-compatibility/2006">
               <mc:Choice xmlns:v="urn:schemas-microsoft-com:vml" Requires="v">
-                <p:oleObj spid="_x0000_s92233" name="Equation" r:id="rId19" imgW="1282680" imgH="520560" progId="Equation.3">
+                <p:oleObj name="Equation" r:id="rId18" imgW="1282680" imgH="520560" progId="Equation.3">
                   <p:embed/>
                 </p:oleObj>
               </mc:Choice>
               <mc:Fallback>
-                <p:oleObj name="Equation" r:id="rId19" imgW="1282680" imgH="520560" progId="Equation.3">
+                <p:oleObj name="Equation" r:id="rId18" imgW="1282680" imgH="520560" progId="Equation.3">
                   <p:embed/>
                   <p:pic>
                     <p:nvPicPr>
@@ -16271,7 +16221,7 @@
                       <p:nvPr/>
                     </p:nvPicPr>
                     <p:blipFill>
-                      <a:blip r:embed="rId20">
+                      <a:blip r:embed="rId19">
                         <a:extLst>
                           <a:ext uri="{28A0092B-C50C-407E-A947-70E740481C1C}">
                             <a14:useLocalDpi xmlns:a14="http://schemas.microsoft.com/office/drawing/2010/main" val="0"/>
@@ -17140,7 +17090,7 @@
           <p:nvPr/>
         </p:nvPicPr>
         <p:blipFill>
-          <a:blip r:embed="rId3" cstate="print"/>
+          <a:blip r:embed="rId2" cstate="print"/>
           <a:srcRect/>
           <a:stretch>
             <a:fillRect/>
@@ -17310,9 +17260,7 @@
           <p:cNvGraphicFramePr>
             <a:graphicFrameLocks noChangeAspect="1"/>
           </p:cNvGraphicFramePr>
-          <p:nvPr>
-            <p:extLst/>
-          </p:nvPr>
+          <p:nvPr/>
         </p:nvGraphicFramePr>
         <p:xfrm>
           <a:off x="2701604" y="7733467"/>
@@ -17322,12 +17270,12 @@
           <a:graphicData uri="http://schemas.openxmlformats.org/presentationml/2006/ole">
             <mc:AlternateContent xmlns:mc="http://schemas.openxmlformats.org/markup-compatibility/2006">
               <mc:Choice xmlns:v="urn:schemas-microsoft-com:vml" Requires="v">
-                <p:oleObj spid="_x0000_s90138" name="Equation" r:id="rId4" imgW="1307880" imgH="457200" progId="Equation.3">
+                <p:oleObj name="Equation" r:id="rId3" imgW="1307880" imgH="457200" progId="Equation.3">
                   <p:embed/>
                 </p:oleObj>
               </mc:Choice>
               <mc:Fallback>
-                <p:oleObj name="Equation" r:id="rId4" imgW="1307880" imgH="457200" progId="Equation.3">
+                <p:oleObj name="Equation" r:id="rId3" imgW="1307880" imgH="457200" progId="Equation.3">
                   <p:embed/>
                   <p:pic>
                     <p:nvPicPr>
@@ -17338,7 +17286,7 @@
                       <p:nvPr/>
                     </p:nvPicPr>
                     <p:blipFill>
-                      <a:blip r:embed="rId5"/>
+                      <a:blip r:embed="rId4"/>
                       <a:srcRect/>
                       <a:stretch>
                         <a:fillRect/>
@@ -17353,7 +17301,6 @@
                         <a:avLst/>
                       </a:prstGeom>
                       <a:noFill/>
-                      <a:extLst/>
                     </p:spPr>
                   </p:pic>
                 </p:oleObj>
@@ -17368,9 +17315,7 @@
           <p:cNvGraphicFramePr>
             <a:graphicFrameLocks noChangeAspect="1"/>
           </p:cNvGraphicFramePr>
-          <p:nvPr>
-            <p:extLst/>
-          </p:nvPr>
+          <p:nvPr/>
         </p:nvGraphicFramePr>
         <p:xfrm>
           <a:off x="3233420" y="4360476"/>
@@ -17380,12 +17325,12 @@
           <a:graphicData uri="http://schemas.openxmlformats.org/presentationml/2006/ole">
             <mc:AlternateContent xmlns:mc="http://schemas.openxmlformats.org/markup-compatibility/2006">
               <mc:Choice xmlns:v="urn:schemas-microsoft-com:vml" Requires="v">
-                <p:oleObj spid="_x0000_s90139" name="Equation" r:id="rId6" imgW="393480" imgH="228600" progId="Equation.3">
+                <p:oleObj name="Equation" r:id="rId5" imgW="393480" imgH="228600" progId="Equation.3">
                   <p:embed/>
                 </p:oleObj>
               </mc:Choice>
               <mc:Fallback>
-                <p:oleObj name="Equation" r:id="rId6" imgW="393480" imgH="228600" progId="Equation.3">
+                <p:oleObj name="Equation" r:id="rId5" imgW="393480" imgH="228600" progId="Equation.3">
                   <p:embed/>
                   <p:pic>
                     <p:nvPicPr>
@@ -17396,7 +17341,7 @@
                       <p:nvPr/>
                     </p:nvPicPr>
                     <p:blipFill>
-                      <a:blip r:embed="rId7"/>
+                      <a:blip r:embed="rId6"/>
                       <a:srcRect/>
                       <a:stretch>
                         <a:fillRect/>
@@ -17428,9 +17373,7 @@
           <p:cNvGraphicFramePr>
             <a:graphicFrameLocks noChangeAspect="1"/>
           </p:cNvGraphicFramePr>
-          <p:nvPr>
-            <p:extLst/>
-          </p:nvPr>
+          <p:nvPr/>
         </p:nvGraphicFramePr>
         <p:xfrm>
           <a:off x="5791200" y="4832799"/>
@@ -17440,12 +17383,12 @@
           <a:graphicData uri="http://schemas.openxmlformats.org/presentationml/2006/ole">
             <mc:AlternateContent xmlns:mc="http://schemas.openxmlformats.org/markup-compatibility/2006">
               <mc:Choice xmlns:v="urn:schemas-microsoft-com:vml" Requires="v">
-                <p:oleObj spid="_x0000_s90140" name="Equation" r:id="rId8" imgW="139680" imgH="190440" progId="Equation.3">
+                <p:oleObj name="Equation" r:id="rId7" imgW="139680" imgH="190440" progId="Equation.3">
                   <p:embed/>
                 </p:oleObj>
               </mc:Choice>
               <mc:Fallback>
-                <p:oleObj name="Equation" r:id="rId8" imgW="139680" imgH="190440" progId="Equation.3">
+                <p:oleObj name="Equation" r:id="rId7" imgW="139680" imgH="190440" progId="Equation.3">
                   <p:embed/>
                   <p:pic>
                     <p:nvPicPr>
@@ -17456,7 +17399,7 @@
                       <p:nvPr/>
                     </p:nvPicPr>
                     <p:blipFill>
-                      <a:blip r:embed="rId9"/>
+                      <a:blip r:embed="rId8"/>
                       <a:srcRect/>
                       <a:stretch>
                         <a:fillRect/>
@@ -17799,9 +17742,7 @@
           <p:cNvGraphicFramePr>
             <a:graphicFrameLocks noChangeAspect="1"/>
           </p:cNvGraphicFramePr>
-          <p:nvPr>
-            <p:extLst/>
-          </p:nvPr>
+          <p:nvPr/>
         </p:nvGraphicFramePr>
         <p:xfrm>
           <a:off x="5745163" y="4753555"/>
@@ -17811,12 +17752,12 @@
           <a:graphicData uri="http://schemas.openxmlformats.org/presentationml/2006/ole">
             <mc:AlternateContent xmlns:mc="http://schemas.openxmlformats.org/markup-compatibility/2006">
               <mc:Choice xmlns:v="urn:schemas-microsoft-com:vml" Requires="v">
-                <p:oleObj spid="_x0000_s86037" name="Equation" r:id="rId3" imgW="152280" imgH="190440" progId="Equation.3">
+                <p:oleObj name="Equation" r:id="rId2" imgW="152280" imgH="190440" progId="Equation.3">
                   <p:embed/>
                 </p:oleObj>
               </mc:Choice>
               <mc:Fallback>
-                <p:oleObj name="Equation" r:id="rId3" imgW="152280" imgH="190440" progId="Equation.3">
+                <p:oleObj name="Equation" r:id="rId2" imgW="152280" imgH="190440" progId="Equation.3">
                   <p:embed/>
                   <p:pic>
                     <p:nvPicPr>
@@ -17827,7 +17768,7 @@
                       <p:nvPr/>
                     </p:nvPicPr>
                     <p:blipFill>
-                      <a:blip r:embed="rId4"/>
+                      <a:blip r:embed="rId3"/>
                       <a:srcRect/>
                       <a:stretch>
                         <a:fillRect/>
@@ -17859,9 +17800,7 @@
           <p:cNvGraphicFramePr>
             <a:graphicFrameLocks noChangeAspect="1"/>
           </p:cNvGraphicFramePr>
-          <p:nvPr>
-            <p:extLst/>
-          </p:nvPr>
+          <p:nvPr/>
         </p:nvGraphicFramePr>
         <p:xfrm>
           <a:off x="5757203" y="5340490"/>
@@ -17871,12 +17810,12 @@
           <a:graphicData uri="http://schemas.openxmlformats.org/presentationml/2006/ole">
             <mc:AlternateContent xmlns:mc="http://schemas.openxmlformats.org/markup-compatibility/2006">
               <mc:Choice xmlns:v="urn:schemas-microsoft-com:vml" Requires="v">
-                <p:oleObj spid="_x0000_s86038" name="Equation" r:id="rId5" imgW="139680" imgH="203040" progId="Equation.3">
+                <p:oleObj name="Equation" r:id="rId4" imgW="139680" imgH="203040" progId="Equation.3">
                   <p:embed/>
                 </p:oleObj>
               </mc:Choice>
               <mc:Fallback>
-                <p:oleObj name="Equation" r:id="rId5" imgW="139680" imgH="203040" progId="Equation.3">
+                <p:oleObj name="Equation" r:id="rId4" imgW="139680" imgH="203040" progId="Equation.3">
                   <p:embed/>
                   <p:pic>
                     <p:nvPicPr>
@@ -17887,7 +17826,7 @@
                       <p:nvPr/>
                     </p:nvPicPr>
                     <p:blipFill>
-                      <a:blip r:embed="rId6"/>
+                      <a:blip r:embed="rId5"/>
                       <a:srcRect/>
                       <a:stretch>
                         <a:fillRect/>
@@ -18395,12 +18334,12 @@
           <a:graphicData uri="http://schemas.openxmlformats.org/presentationml/2006/ole">
             <mc:AlternateContent xmlns:mc="http://schemas.openxmlformats.org/markup-compatibility/2006">
               <mc:Choice xmlns:v="urn:schemas-microsoft-com:vml" Requires="v">
-                <p:oleObj spid="_x0000_s87074" name="Equation" r:id="rId3" imgW="393529" imgH="253890" progId="Equation.3">
+                <p:oleObj name="Equation" r:id="rId2" imgW="393529" imgH="253890" progId="Equation.3">
                   <p:embed/>
                 </p:oleObj>
               </mc:Choice>
               <mc:Fallback>
-                <p:oleObj name="Equation" r:id="rId3" imgW="393529" imgH="253890" progId="Equation.3">
+                <p:oleObj name="Equation" r:id="rId2" imgW="393529" imgH="253890" progId="Equation.3">
                   <p:embed/>
                   <p:pic>
                     <p:nvPicPr>
@@ -18411,7 +18350,7 @@
                       <p:nvPr/>
                     </p:nvPicPr>
                     <p:blipFill>
-                      <a:blip r:embed="rId4">
+                      <a:blip r:embed="rId3">
                         <a:extLst>
                           <a:ext uri="{28A0092B-C50C-407E-A947-70E740481C1C}">
                             <a14:useLocalDpi xmlns:a14="http://schemas.microsoft.com/office/drawing/2010/main" val="0"/>
@@ -18432,7 +18371,6 @@
                         <a:avLst/>
                       </a:prstGeom>
                       <a:noFill/>
-                      <a:extLst/>
                     </p:spPr>
                   </p:pic>
                 </p:oleObj>
@@ -18463,12 +18401,12 @@
           <a:graphicData uri="http://schemas.openxmlformats.org/presentationml/2006/ole">
             <mc:AlternateContent xmlns:mc="http://schemas.openxmlformats.org/markup-compatibility/2006">
               <mc:Choice xmlns:v="urn:schemas-microsoft-com:vml" Requires="v">
-                <p:oleObj spid="_x0000_s87075" name="Equation" r:id="rId5" imgW="647419" imgH="253890" progId="Equation.3">
+                <p:oleObj name="Equation" r:id="rId4" imgW="647419" imgH="253890" progId="Equation.3">
                   <p:embed/>
                 </p:oleObj>
               </mc:Choice>
               <mc:Fallback>
-                <p:oleObj name="Equation" r:id="rId5" imgW="647419" imgH="253890" progId="Equation.3">
+                <p:oleObj name="Equation" r:id="rId4" imgW="647419" imgH="253890" progId="Equation.3">
                   <p:embed/>
                   <p:pic>
                     <p:nvPicPr>
@@ -18479,7 +18417,7 @@
                       <p:nvPr/>
                     </p:nvPicPr>
                     <p:blipFill>
-                      <a:blip r:embed="rId6">
+                      <a:blip r:embed="rId5">
                         <a:extLst>
                           <a:ext uri="{28A0092B-C50C-407E-A947-70E740481C1C}">
                             <a14:useLocalDpi xmlns:a14="http://schemas.microsoft.com/office/drawing/2010/main" val="0"/>
@@ -18500,7 +18438,6 @@
                         <a:avLst/>
                       </a:prstGeom>
                       <a:noFill/>
-                      <a:extLst/>
                     </p:spPr>
                   </p:pic>
                 </p:oleObj>
@@ -18833,9 +18770,7 @@
           <p:cNvGraphicFramePr>
             <a:graphicFrameLocks noChangeAspect="1"/>
           </p:cNvGraphicFramePr>
-          <p:nvPr>
-            <p:extLst/>
-          </p:nvPr>
+          <p:nvPr/>
         </p:nvGraphicFramePr>
         <p:xfrm>
           <a:off x="6347461" y="4971871"/>
@@ -18845,12 +18780,12 @@
           <a:graphicData uri="http://schemas.openxmlformats.org/presentationml/2006/ole">
             <mc:AlternateContent xmlns:mc="http://schemas.openxmlformats.org/markup-compatibility/2006">
               <mc:Choice xmlns:v="urn:schemas-microsoft-com:vml" Requires="v">
-                <p:oleObj spid="_x0000_s87076" name="Equation" r:id="rId7" imgW="152280" imgH="190440" progId="Equation.3">
+                <p:oleObj name="Equation" r:id="rId6" imgW="152280" imgH="190440" progId="Equation.3">
                   <p:embed/>
                 </p:oleObj>
               </mc:Choice>
               <mc:Fallback>
-                <p:oleObj name="Equation" r:id="rId7" imgW="152280" imgH="190440" progId="Equation.3">
+                <p:oleObj name="Equation" r:id="rId6" imgW="152280" imgH="190440" progId="Equation.3">
                   <p:embed/>
                   <p:pic>
                     <p:nvPicPr>
@@ -18861,7 +18796,7 @@
                       <p:nvPr/>
                     </p:nvPicPr>
                     <p:blipFill>
-                      <a:blip r:embed="rId8"/>
+                      <a:blip r:embed="rId7"/>
                       <a:srcRect/>
                       <a:stretch>
                         <a:fillRect/>
@@ -18893,9 +18828,7 @@
           <p:cNvGraphicFramePr>
             <a:graphicFrameLocks noChangeAspect="1"/>
           </p:cNvGraphicFramePr>
-          <p:nvPr>
-            <p:extLst/>
-          </p:nvPr>
+          <p:nvPr/>
         </p:nvGraphicFramePr>
         <p:xfrm>
           <a:off x="6174740" y="5770378"/>
@@ -18905,12 +18838,12 @@
           <a:graphicData uri="http://schemas.openxmlformats.org/presentationml/2006/ole">
             <mc:AlternateContent xmlns:mc="http://schemas.openxmlformats.org/markup-compatibility/2006">
               <mc:Choice xmlns:v="urn:schemas-microsoft-com:vml" Requires="v">
-                <p:oleObj spid="_x0000_s87077" name="Equation" r:id="rId9" imgW="139680" imgH="203040" progId="Equation.3">
+                <p:oleObj name="Equation" r:id="rId8" imgW="139680" imgH="203040" progId="Equation.3">
                   <p:embed/>
                 </p:oleObj>
               </mc:Choice>
               <mc:Fallback>
-                <p:oleObj name="Equation" r:id="rId9" imgW="139680" imgH="203040" progId="Equation.3">
+                <p:oleObj name="Equation" r:id="rId8" imgW="139680" imgH="203040" progId="Equation.3">
                   <p:embed/>
                   <p:pic>
                     <p:nvPicPr>
@@ -18921,7 +18854,7 @@
                       <p:nvPr/>
                     </p:nvPicPr>
                     <p:blipFill>
-                      <a:blip r:embed="rId10"/>
+                      <a:blip r:embed="rId9"/>
                       <a:srcRect/>
                       <a:stretch>
                         <a:fillRect/>
@@ -19264,9 +19197,7 @@
           <p:cNvGraphicFramePr>
             <a:graphicFrameLocks noChangeAspect="1"/>
           </p:cNvGraphicFramePr>
-          <p:nvPr>
-            <p:extLst/>
-          </p:nvPr>
+          <p:nvPr/>
         </p:nvGraphicFramePr>
         <p:xfrm>
           <a:off x="5745163" y="4753555"/>
@@ -19276,12 +19207,12 @@
           <a:graphicData uri="http://schemas.openxmlformats.org/presentationml/2006/ole">
             <mc:AlternateContent xmlns:mc="http://schemas.openxmlformats.org/markup-compatibility/2006">
               <mc:Choice xmlns:v="urn:schemas-microsoft-com:vml" Requires="v">
-                <p:oleObj spid="_x0000_s91162" name="Equation" r:id="rId3" imgW="152280" imgH="190440" progId="Equation.3">
+                <p:oleObj name="Equation" r:id="rId2" imgW="152280" imgH="190440" progId="Equation.3">
                   <p:embed/>
                 </p:oleObj>
               </mc:Choice>
               <mc:Fallback>
-                <p:oleObj name="Equation" r:id="rId3" imgW="152280" imgH="190440" progId="Equation.3">
+                <p:oleObj name="Equation" r:id="rId2" imgW="152280" imgH="190440" progId="Equation.3">
                   <p:embed/>
                   <p:pic>
                     <p:nvPicPr>
@@ -19292,7 +19223,7 @@
                       <p:nvPr/>
                     </p:nvPicPr>
                     <p:blipFill>
-                      <a:blip r:embed="rId4"/>
+                      <a:blip r:embed="rId3"/>
                       <a:srcRect/>
                       <a:stretch>
                         <a:fillRect/>
@@ -19324,9 +19255,7 @@
           <p:cNvGraphicFramePr>
             <a:graphicFrameLocks noChangeAspect="1"/>
           </p:cNvGraphicFramePr>
-          <p:nvPr>
-            <p:extLst/>
-          </p:nvPr>
+          <p:nvPr/>
         </p:nvGraphicFramePr>
         <p:xfrm>
           <a:off x="5757203" y="5340490"/>
@@ -19336,12 +19265,12 @@
           <a:graphicData uri="http://schemas.openxmlformats.org/presentationml/2006/ole">
             <mc:AlternateContent xmlns:mc="http://schemas.openxmlformats.org/markup-compatibility/2006">
               <mc:Choice xmlns:v="urn:schemas-microsoft-com:vml" Requires="v">
-                <p:oleObj spid="_x0000_s91163" name="Equation" r:id="rId5" imgW="139680" imgH="203040" progId="Equation.3">
+                <p:oleObj name="Equation" r:id="rId4" imgW="139680" imgH="203040" progId="Equation.3">
                   <p:embed/>
                 </p:oleObj>
               </mc:Choice>
               <mc:Fallback>
-                <p:oleObj name="Equation" r:id="rId5" imgW="139680" imgH="203040" progId="Equation.3">
+                <p:oleObj name="Equation" r:id="rId4" imgW="139680" imgH="203040" progId="Equation.3">
                   <p:embed/>
                   <p:pic>
                     <p:nvPicPr>
@@ -19352,7 +19281,7 @@
                       <p:nvPr/>
                     </p:nvPicPr>
                     <p:blipFill>
-                      <a:blip r:embed="rId6"/>
+                      <a:blip r:embed="rId5"/>
                       <a:srcRect/>
                       <a:stretch>
                         <a:fillRect/>
@@ -19586,9 +19515,7 @@
           <p:cNvGraphicFramePr>
             <a:graphicFrameLocks noChangeAspect="1"/>
           </p:cNvGraphicFramePr>
-          <p:nvPr>
-            <p:extLst/>
-          </p:nvPr>
+          <p:nvPr/>
         </p:nvGraphicFramePr>
         <p:xfrm>
           <a:off x="2773363" y="6831548"/>
@@ -19598,12 +19525,12 @@
           <a:graphicData uri="http://schemas.openxmlformats.org/presentationml/2006/ole">
             <mc:AlternateContent xmlns:mc="http://schemas.openxmlformats.org/markup-compatibility/2006">
               <mc:Choice xmlns:v="urn:schemas-microsoft-com:vml" Requires="v">
-                <p:oleObj spid="_x0000_s91164" name="Equation" r:id="rId7" imgW="1815840" imgH="1752480" progId="Equation.3">
+                <p:oleObj name="Equation" r:id="rId6" imgW="1815840" imgH="1752480" progId="Equation.3">
                   <p:embed/>
                 </p:oleObj>
               </mc:Choice>
               <mc:Fallback>
-                <p:oleObj name="Equation" r:id="rId7" imgW="1815840" imgH="1752480" progId="Equation.3">
+                <p:oleObj name="Equation" r:id="rId6" imgW="1815840" imgH="1752480" progId="Equation.3">
                   <p:embed/>
                   <p:pic>
                     <p:nvPicPr>
@@ -19614,7 +19541,7 @@
                       <p:nvPr/>
                     </p:nvPicPr>
                     <p:blipFill>
-                      <a:blip r:embed="rId8"/>
+                      <a:blip r:embed="rId7"/>
                       <a:srcRect/>
                       <a:stretch>
                         <a:fillRect/>
@@ -19957,12 +19884,12 @@
           <a:graphicData uri="http://schemas.openxmlformats.org/presentationml/2006/ole">
             <mc:AlternateContent xmlns:mc="http://schemas.openxmlformats.org/markup-compatibility/2006">
               <mc:Choice xmlns:v="urn:schemas-microsoft-com:vml" Requires="v">
-                <p:oleObj spid="_x0000_s88093" name="Equation" r:id="rId3" imgW="1777680" imgH="469800" progId="Equation.3">
+                <p:oleObj name="Equation" r:id="rId2" imgW="1777680" imgH="469800" progId="Equation.3">
                   <p:embed/>
                 </p:oleObj>
               </mc:Choice>
               <mc:Fallback>
-                <p:oleObj name="Equation" r:id="rId3" imgW="1777680" imgH="469800" progId="Equation.3">
+                <p:oleObj name="Equation" r:id="rId2" imgW="1777680" imgH="469800" progId="Equation.3">
                   <p:embed/>
                   <p:pic>
                     <p:nvPicPr>
@@ -19973,7 +19900,7 @@
                       <p:nvPr/>
                     </p:nvPicPr>
                     <p:blipFill>
-                      <a:blip r:embed="rId4"/>
+                      <a:blip r:embed="rId3"/>
                       <a:srcRect/>
                       <a:stretch>
                         <a:fillRect/>
@@ -19988,7 +19915,6 @@
                         <a:avLst/>
                       </a:prstGeom>
                       <a:noFill/>
-                      <a:extLst/>
                     </p:spPr>
                   </p:pic>
                 </p:oleObj>
@@ -20130,9 +20056,7 @@
           <p:cNvGraphicFramePr>
             <a:graphicFrameLocks noChangeAspect="1"/>
           </p:cNvGraphicFramePr>
-          <p:nvPr>
-            <p:extLst/>
-          </p:nvPr>
+          <p:nvPr/>
         </p:nvGraphicFramePr>
         <p:xfrm>
           <a:off x="6347460" y="4972526"/>
@@ -20142,12 +20066,12 @@
           <a:graphicData uri="http://schemas.openxmlformats.org/presentationml/2006/ole">
             <mc:AlternateContent xmlns:mc="http://schemas.openxmlformats.org/markup-compatibility/2006">
               <mc:Choice xmlns:v="urn:schemas-microsoft-com:vml" Requires="v">
-                <p:oleObj spid="_x0000_s88094" name="Equation" r:id="rId5" imgW="152280" imgH="190440" progId="Equation.3">
+                <p:oleObj name="Equation" r:id="rId4" imgW="152280" imgH="190440" progId="Equation.3">
                   <p:embed/>
                 </p:oleObj>
               </mc:Choice>
               <mc:Fallback>
-                <p:oleObj name="Equation" r:id="rId5" imgW="152280" imgH="190440" progId="Equation.3">
+                <p:oleObj name="Equation" r:id="rId4" imgW="152280" imgH="190440" progId="Equation.3">
                   <p:embed/>
                   <p:pic>
                     <p:nvPicPr>
@@ -20158,7 +20082,7 @@
                       <p:nvPr/>
                     </p:nvPicPr>
                     <p:blipFill>
-                      <a:blip r:embed="rId6">
+                      <a:blip r:embed="rId5">
                         <a:extLst>
                           <a:ext uri="{28A0092B-C50C-407E-A947-70E740481C1C}">
                             <a14:useLocalDpi xmlns:a14="http://schemas.microsoft.com/office/drawing/2010/main" val="0"/>
@@ -20215,9 +20139,7 @@
           <p:cNvGraphicFramePr>
             <a:graphicFrameLocks noChangeAspect="1"/>
           </p:cNvGraphicFramePr>
-          <p:nvPr>
-            <p:extLst/>
-          </p:nvPr>
+          <p:nvPr/>
         </p:nvGraphicFramePr>
         <p:xfrm>
           <a:off x="6174740" y="5770008"/>
@@ -20227,12 +20149,12 @@
           <a:graphicData uri="http://schemas.openxmlformats.org/presentationml/2006/ole">
             <mc:AlternateContent xmlns:mc="http://schemas.openxmlformats.org/markup-compatibility/2006">
               <mc:Choice xmlns:v="urn:schemas-microsoft-com:vml" Requires="v">
-                <p:oleObj spid="_x0000_s88095" name="Equation" r:id="rId7" imgW="139680" imgH="203040" progId="Equation.3">
+                <p:oleObj name="Equation" r:id="rId6" imgW="139680" imgH="203040" progId="Equation.3">
                   <p:embed/>
                 </p:oleObj>
               </mc:Choice>
               <mc:Fallback>
-                <p:oleObj name="Equation" r:id="rId7" imgW="139680" imgH="203040" progId="Equation.3">
+                <p:oleObj name="Equation" r:id="rId6" imgW="139680" imgH="203040" progId="Equation.3">
                   <p:embed/>
                   <p:pic>
                     <p:nvPicPr>
@@ -20243,7 +20165,7 @@
                       <p:nvPr/>
                     </p:nvPicPr>
                     <p:blipFill>
-                      <a:blip r:embed="rId8">
+                      <a:blip r:embed="rId7">
                         <a:extLst>
                           <a:ext uri="{28A0092B-C50C-407E-A947-70E740481C1C}">
                             <a14:useLocalDpi xmlns:a14="http://schemas.microsoft.com/office/drawing/2010/main" val="0"/>
@@ -22434,12 +22356,12 @@
           <a:graphicData uri="http://schemas.openxmlformats.org/presentationml/2006/ole">
             <mc:AlternateContent xmlns:mc="http://schemas.openxmlformats.org/markup-compatibility/2006">
               <mc:Choice xmlns:v="urn:schemas-microsoft-com:vml" Requires="v">
-                <p:oleObj spid="_x0000_s60431" name="Equation" r:id="rId3" imgW="139680" imgH="190440" progId="Equation.3">
+                <p:oleObj name="Equation" r:id="rId2" imgW="139680" imgH="190440" progId="Equation.3">
                   <p:embed/>
                 </p:oleObj>
               </mc:Choice>
               <mc:Fallback>
-                <p:oleObj name="Equation" r:id="rId3" imgW="139680" imgH="190440" progId="Equation.3">
+                <p:oleObj name="Equation" r:id="rId2" imgW="139680" imgH="190440" progId="Equation.3">
                   <p:embed/>
                   <p:pic>
                     <p:nvPicPr>
@@ -22450,7 +22372,7 @@
                       <p:nvPr/>
                     </p:nvPicPr>
                     <p:blipFill>
-                      <a:blip r:embed="rId4"/>
+                      <a:blip r:embed="rId3"/>
                       <a:srcRect/>
                       <a:stretch>
                         <a:fillRect/>
